--- a/3-GEEKS-1-GREEK.pptx
+++ b/3-GEEKS-1-GREEK.pptx
@@ -318,12 +318,12 @@
         </c:dLbls>
         <c:gapWidth val="150"/>
         <c:shape val="box"/>
-        <c:axId val="142669312"/>
-        <c:axId val="161878400"/>
+        <c:axId val="127748736"/>
+        <c:axId val="127779200"/>
         <c:axId val="0"/>
       </c:bar3DChart>
       <c:catAx>
-        <c:axId val="142669312"/>
+        <c:axId val="127748736"/>
         <c:scaling>
           <c:orientation val="minMax"/>
         </c:scaling>
@@ -332,7 +332,7 @@
         <c:majorTickMark val="out"/>
         <c:minorTickMark val="none"/>
         <c:tickLblPos val="nextTo"/>
-        <c:crossAx val="161878400"/>
+        <c:crossAx val="127779200"/>
         <c:crosses val="autoZero"/>
         <c:auto val="1"/>
         <c:lblAlgn val="ctr"/>
@@ -340,7 +340,7 @@
         <c:noMultiLvlLbl val="0"/>
       </c:catAx>
       <c:valAx>
-        <c:axId val="161878400"/>
+        <c:axId val="127779200"/>
         <c:scaling>
           <c:orientation val="minMax"/>
         </c:scaling>
@@ -351,7 +351,7 @@
         <c:majorTickMark val="out"/>
         <c:minorTickMark val="none"/>
         <c:tickLblPos val="nextTo"/>
-        <c:crossAx val="142669312"/>
+        <c:crossAx val="127748736"/>
         <c:crosses val="autoZero"/>
         <c:crossBetween val="between"/>
       </c:valAx>
@@ -568,12 +568,12 @@
         </c:dLbls>
         <c:gapWidth val="150"/>
         <c:shape val="box"/>
-        <c:axId val="136478720"/>
-        <c:axId val="136481792"/>
+        <c:axId val="127781120"/>
+        <c:axId val="136041984"/>
         <c:axId val="0"/>
       </c:bar3DChart>
       <c:catAx>
-        <c:axId val="136478720"/>
+        <c:axId val="127781120"/>
         <c:scaling>
           <c:orientation val="minMax"/>
         </c:scaling>
@@ -582,7 +582,7 @@
         <c:majorTickMark val="out"/>
         <c:minorTickMark val="none"/>
         <c:tickLblPos val="nextTo"/>
-        <c:crossAx val="136481792"/>
+        <c:crossAx val="136041984"/>
         <c:crosses val="autoZero"/>
         <c:auto val="1"/>
         <c:lblAlgn val="ctr"/>
@@ -590,7 +590,7 @@
         <c:noMultiLvlLbl val="0"/>
       </c:catAx>
       <c:valAx>
-        <c:axId val="136481792"/>
+        <c:axId val="136041984"/>
         <c:scaling>
           <c:orientation val="minMax"/>
         </c:scaling>
@@ -601,7 +601,7 @@
         <c:majorTickMark val="out"/>
         <c:minorTickMark val="none"/>
         <c:tickLblPos val="nextTo"/>
-        <c:crossAx val="136478720"/>
+        <c:crossAx val="127781120"/>
         <c:crosses val="autoZero"/>
         <c:crossBetween val="between"/>
       </c:valAx>
@@ -818,12 +818,12 @@
         </c:dLbls>
         <c:gapWidth val="150"/>
         <c:shape val="box"/>
-        <c:axId val="136777088"/>
-        <c:axId val="137200384"/>
+        <c:axId val="135558656"/>
+        <c:axId val="135560192"/>
         <c:axId val="0"/>
       </c:bar3DChart>
       <c:catAx>
-        <c:axId val="136777088"/>
+        <c:axId val="135558656"/>
         <c:scaling>
           <c:orientation val="minMax"/>
         </c:scaling>
@@ -832,7 +832,7 @@
         <c:majorTickMark val="out"/>
         <c:minorTickMark val="none"/>
         <c:tickLblPos val="nextTo"/>
-        <c:crossAx val="137200384"/>
+        <c:crossAx val="135560192"/>
         <c:crosses val="autoZero"/>
         <c:auto val="1"/>
         <c:lblAlgn val="ctr"/>
@@ -840,7 +840,7 @@
         <c:noMultiLvlLbl val="0"/>
       </c:catAx>
       <c:valAx>
-        <c:axId val="137200384"/>
+        <c:axId val="135560192"/>
         <c:scaling>
           <c:orientation val="minMax"/>
         </c:scaling>
@@ -851,7 +851,7 @@
         <c:majorTickMark val="out"/>
         <c:minorTickMark val="none"/>
         <c:tickLblPos val="nextTo"/>
-        <c:crossAx val="136777088"/>
+        <c:crossAx val="135558656"/>
         <c:crosses val="autoZero"/>
         <c:crossBetween val="between"/>
       </c:valAx>
@@ -1068,12 +1068,12 @@
         </c:dLbls>
         <c:gapWidth val="150"/>
         <c:shape val="box"/>
-        <c:axId val="142049280"/>
-        <c:axId val="142052736"/>
+        <c:axId val="209076224"/>
+        <c:axId val="209077760"/>
         <c:axId val="0"/>
       </c:bar3DChart>
       <c:catAx>
-        <c:axId val="142049280"/>
+        <c:axId val="209076224"/>
         <c:scaling>
           <c:orientation val="minMax"/>
         </c:scaling>
@@ -1082,7 +1082,7 @@
         <c:majorTickMark val="out"/>
         <c:minorTickMark val="none"/>
         <c:tickLblPos val="nextTo"/>
-        <c:crossAx val="142052736"/>
+        <c:crossAx val="209077760"/>
         <c:crosses val="autoZero"/>
         <c:auto val="1"/>
         <c:lblAlgn val="ctr"/>
@@ -1090,7 +1090,7 @@
         <c:noMultiLvlLbl val="0"/>
       </c:catAx>
       <c:valAx>
-        <c:axId val="142052736"/>
+        <c:axId val="209077760"/>
         <c:scaling>
           <c:orientation val="minMax"/>
         </c:scaling>
@@ -1101,7 +1101,7 @@
         <c:majorTickMark val="out"/>
         <c:minorTickMark val="none"/>
         <c:tickLblPos val="nextTo"/>
-        <c:crossAx val="142049280"/>
+        <c:crossAx val="209076224"/>
         <c:crosses val="autoZero"/>
         <c:crossBetween val="between"/>
       </c:valAx>
@@ -1318,12 +1318,12 @@
         </c:dLbls>
         <c:gapWidth val="150"/>
         <c:shape val="box"/>
-        <c:axId val="142035200"/>
-        <c:axId val="142050816"/>
+        <c:axId val="208763136"/>
+        <c:axId val="208764928"/>
         <c:axId val="0"/>
       </c:bar3DChart>
       <c:catAx>
-        <c:axId val="142035200"/>
+        <c:axId val="208763136"/>
         <c:scaling>
           <c:orientation val="minMax"/>
         </c:scaling>
@@ -1332,7 +1332,7 @@
         <c:majorTickMark val="out"/>
         <c:minorTickMark val="none"/>
         <c:tickLblPos val="nextTo"/>
-        <c:crossAx val="142050816"/>
+        <c:crossAx val="208764928"/>
         <c:crosses val="autoZero"/>
         <c:auto val="1"/>
         <c:lblAlgn val="ctr"/>
@@ -1340,7 +1340,7 @@
         <c:noMultiLvlLbl val="0"/>
       </c:catAx>
       <c:valAx>
-        <c:axId val="142050816"/>
+        <c:axId val="208764928"/>
         <c:scaling>
           <c:orientation val="minMax"/>
         </c:scaling>
@@ -1351,7 +1351,7 @@
         <c:majorTickMark val="out"/>
         <c:minorTickMark val="none"/>
         <c:tickLblPos val="nextTo"/>
-        <c:crossAx val="142035200"/>
+        <c:crossAx val="208763136"/>
         <c:crosses val="autoZero"/>
         <c:crossBetween val="between"/>
       </c:valAx>
@@ -1453,7 +1453,7 @@
                 <c:formatCode>General</c:formatCode>
                 <c:ptCount val="4"/>
                 <c:pt idx="0">
-                  <c:v>1.1000000000000001</c:v>
+                  <c:v>2</c:v>
                 </c:pt>
                 <c:pt idx="1">
                   <c:v>5</c:v>
@@ -1568,12 +1568,12 @@
         </c:dLbls>
         <c:gapWidth val="150"/>
         <c:shape val="box"/>
-        <c:axId val="141703040"/>
-        <c:axId val="142643200"/>
+        <c:axId val="317079936"/>
+        <c:axId val="317081472"/>
         <c:axId val="0"/>
       </c:bar3DChart>
       <c:catAx>
-        <c:axId val="141703040"/>
+        <c:axId val="317079936"/>
         <c:scaling>
           <c:orientation val="minMax"/>
         </c:scaling>
@@ -1582,7 +1582,7 @@
         <c:majorTickMark val="out"/>
         <c:minorTickMark val="none"/>
         <c:tickLblPos val="nextTo"/>
-        <c:crossAx val="142643200"/>
+        <c:crossAx val="317081472"/>
         <c:crosses val="autoZero"/>
         <c:auto val="1"/>
         <c:lblAlgn val="ctr"/>
@@ -1590,7 +1590,7 @@
         <c:noMultiLvlLbl val="0"/>
       </c:catAx>
       <c:valAx>
-        <c:axId val="142643200"/>
+        <c:axId val="317081472"/>
         <c:scaling>
           <c:orientation val="minMax"/>
         </c:scaling>
@@ -1601,7 +1601,7 @@
         <c:majorTickMark val="out"/>
         <c:minorTickMark val="none"/>
         <c:tickLblPos val="nextTo"/>
-        <c:crossAx val="141703040"/>
+        <c:crossAx val="317079936"/>
         <c:crosses val="autoZero"/>
         <c:crossBetween val="between"/>
       </c:valAx>
@@ -1818,12 +1818,12 @@
         </c:dLbls>
         <c:gapWidth val="150"/>
         <c:shape val="box"/>
-        <c:axId val="142827904"/>
-        <c:axId val="142830976"/>
+        <c:axId val="317105280"/>
+        <c:axId val="317106816"/>
         <c:axId val="0"/>
       </c:bar3DChart>
       <c:catAx>
-        <c:axId val="142827904"/>
+        <c:axId val="317105280"/>
         <c:scaling>
           <c:orientation val="minMax"/>
         </c:scaling>
@@ -1832,7 +1832,7 @@
         <c:majorTickMark val="out"/>
         <c:minorTickMark val="none"/>
         <c:tickLblPos val="nextTo"/>
-        <c:crossAx val="142830976"/>
+        <c:crossAx val="317106816"/>
         <c:crosses val="autoZero"/>
         <c:auto val="1"/>
         <c:lblAlgn val="ctr"/>
@@ -1840,7 +1840,7 @@
         <c:noMultiLvlLbl val="0"/>
       </c:catAx>
       <c:valAx>
-        <c:axId val="142830976"/>
+        <c:axId val="317106816"/>
         <c:scaling>
           <c:orientation val="minMax"/>
         </c:scaling>
@@ -1851,7 +1851,7 @@
         <c:majorTickMark val="out"/>
         <c:minorTickMark val="none"/>
         <c:tickLblPos val="nextTo"/>
-        <c:crossAx val="142827904"/>
+        <c:crossAx val="317105280"/>
         <c:crosses val="autoZero"/>
         <c:crossBetween val="between"/>
       </c:valAx>
@@ -3688,7 +3688,7 @@
           <a:p>
             <a:fld id="{6E9E9C71-F887-484A-9005-6EE969369884}" type="datetimeFigureOut">
               <a:rPr lang="en-GB" smtClean="0"/>
-              <a:t>21/06/2018</a:t>
+              <a:t>22/06/2018</a:t>
             </a:fld>
             <a:endParaRPr lang="en-GB"/>
           </a:p>
@@ -3869,7 +3869,7 @@
           <a:p>
             <a:fld id="{6E9E9C71-F887-484A-9005-6EE969369884}" type="datetimeFigureOut">
               <a:rPr lang="en-GB" smtClean="0"/>
-              <a:t>21/06/2018</a:t>
+              <a:t>22/06/2018</a:t>
             </a:fld>
             <a:endParaRPr lang="en-GB"/>
           </a:p>
@@ -4020,7 +4020,7 @@
           <a:p>
             <a:fld id="{6E9E9C71-F887-484A-9005-6EE969369884}" type="datetimeFigureOut">
               <a:rPr lang="en-GB" smtClean="0"/>
-              <a:t>21/06/2018</a:t>
+              <a:t>22/06/2018</a:t>
             </a:fld>
             <a:endParaRPr lang="en-GB"/>
           </a:p>
@@ -5846,7 +5846,7 @@
           <a:p>
             <a:fld id="{6E9E9C71-F887-484A-9005-6EE969369884}" type="datetimeFigureOut">
               <a:rPr lang="en-GB" smtClean="0"/>
-              <a:t>21/06/2018</a:t>
+              <a:t>22/06/2018</a:t>
             </a:fld>
             <a:endParaRPr lang="en-GB"/>
           </a:p>
@@ -7716,7 +7716,7 @@
           <a:p>
             <a:fld id="{6E9E9C71-F887-484A-9005-6EE969369884}" type="datetimeFigureOut">
               <a:rPr lang="en-GB" smtClean="0"/>
-              <a:t>21/06/2018</a:t>
+              <a:t>22/06/2018</a:t>
             </a:fld>
             <a:endParaRPr lang="en-GB"/>
           </a:p>
@@ -7829,7 +7829,7 @@
           <a:p>
             <a:fld id="{6E9E9C71-F887-484A-9005-6EE969369884}" type="datetimeFigureOut">
               <a:rPr lang="en-GB" smtClean="0"/>
-              <a:t>21/06/2018</a:t>
+              <a:t>22/06/2018</a:t>
             </a:fld>
             <a:endParaRPr lang="en-GB"/>
           </a:p>
@@ -8370,7 +8370,7 @@
           <a:p>
             <a:fld id="{6E9E9C71-F887-484A-9005-6EE969369884}" type="datetimeFigureOut">
               <a:rPr lang="en-GB" smtClean="0"/>
-              <a:t>21/06/2018</a:t>
+              <a:t>22/06/2018</a:t>
             </a:fld>
             <a:endParaRPr lang="en-GB"/>
           </a:p>
@@ -8483,7 +8483,7 @@
           <a:p>
             <a:fld id="{6E9E9C71-F887-484A-9005-6EE969369884}" type="datetimeFigureOut">
               <a:rPr lang="en-GB" smtClean="0"/>
-              <a:t>21/06/2018</a:t>
+              <a:t>22/06/2018</a:t>
             </a:fld>
             <a:endParaRPr lang="en-GB"/>
           </a:p>
@@ -10194,7 +10194,7 @@
           <a:p>
             <a:fld id="{6E9E9C71-F887-484A-9005-6EE969369884}" type="datetimeFigureOut">
               <a:rPr lang="en-GB" smtClean="0"/>
-              <a:t>21/06/2018</a:t>
+              <a:t>22/06/2018</a:t>
             </a:fld>
             <a:endParaRPr lang="en-GB"/>
           </a:p>
@@ -10345,7 +10345,7 @@
           <a:p>
             <a:fld id="{6E9E9C71-F887-484A-9005-6EE969369884}" type="datetimeFigureOut">
               <a:rPr lang="en-GB" smtClean="0"/>
-              <a:t>21/06/2018</a:t>
+              <a:t>22/06/2018</a:t>
             </a:fld>
             <a:endParaRPr lang="en-GB"/>
           </a:p>
@@ -13960,7 +13960,7 @@
           <a:p>
             <a:fld id="{6E9E9C71-F887-484A-9005-6EE969369884}" type="datetimeFigureOut">
               <a:rPr lang="en-GB" smtClean="0"/>
-              <a:t>21/06/2018</a:t>
+              <a:t>22/06/2018</a:t>
             </a:fld>
             <a:endParaRPr lang="en-GB"/>
           </a:p>
@@ -15819,7 +15819,7 @@
           <a:p>
             <a:fld id="{6E9E9C71-F887-484A-9005-6EE969369884}" type="datetimeFigureOut">
               <a:rPr lang="en-GB" smtClean="0"/>
-              <a:t>21/06/2018</a:t>
+              <a:t>22/06/2018</a:t>
             </a:fld>
             <a:endParaRPr lang="en-GB"/>
           </a:p>
@@ -16962,18 +16962,10 @@
               <a:t>Ivana – </a:t>
             </a:r>
             <a:r>
-              <a:rPr lang="sr-Latn-RS" dirty="0" smtClean="0">
-                <a:solidFill>
-                  <a:srgbClr val="FF0000"/>
-                </a:solidFill>
-              </a:rPr>
+              <a:rPr lang="sr-Latn-RS" dirty="0" smtClean="0"/>
               <a:t>odsustvo zbog povrede ruke</a:t>
             </a:r>
-            <a:endParaRPr lang="sr-Latn-RS" dirty="0">
-              <a:solidFill>
-                <a:srgbClr val="FF0000"/>
-              </a:solidFill>
-            </a:endParaRPr>
+            <a:endParaRPr lang="sr-Latn-RS" dirty="0"/>
           </a:p>
           <a:p>
             <a:r>
@@ -17577,7 +17569,7 @@
             <p:ph idx="1"/>
             <p:extLst>
               <p:ext uri="{D42A27DB-BD31-4B8C-83A1-F6EECF244321}">
-                <p14:modId xmlns:p14="http://schemas.microsoft.com/office/powerpoint/2010/main" val="225864518"/>
+                <p14:modId xmlns:p14="http://schemas.microsoft.com/office/powerpoint/2010/main" val="1311740677"/>
               </p:ext>
             </p:extLst>
           </p:nvPr>
@@ -18434,7 +18426,11 @@
           <a:p>
             <a:r>
               <a:rPr lang="sr-Latn-RS" dirty="0" smtClean="0"/>
-              <a:t>Pokazalo se da svi članovi tima pored individualnih kvaliteta poseduju i visok stepen razumevanja i prilagodljivosti timskom radu sto je rezultovalo ne samo uspešnoj realizaciji projekta već i sjajnoj atmosferi i timskom duhu. </a:t>
+              <a:t>Pokazalo se da svi članovi tima pored individualnih kvaliteta poseduju i visok stepen razumevanja i prilagodljivosti timskom radu sto je rezultovalo ne samo uspešnoj realizaciji projekta već i sjajnoj atmosferi i </a:t>
+            </a:r>
+            <a:r>
+              <a:rPr lang="sr-Latn-RS" dirty="0" smtClean="0"/>
+              <a:t>razvijanju timskog duha. </a:t>
             </a:r>
             <a:endParaRPr lang="en-GB" dirty="0"/>
           </a:p>
@@ -18567,7 +18563,7 @@
         </p:nvSpPr>
         <p:spPr>
           <a:xfrm>
-            <a:off x="3075863" y="5591986"/>
+            <a:off x="4173736" y="5527992"/>
             <a:ext cx="288032" cy="288032"/>
           </a:xfrm>
           <a:prstGeom prst="smileyFace">
